--- a/Előadás.pptx
+++ b/Előadás.pptx
@@ -2,7 +2,7 @@
 <file path=ppt/presentation.xml><?xml version="1.0" encoding="utf-8"?>
 <p:presentation xmlns:a="http://schemas.openxmlformats.org/drawingml/2006/main" xmlns:r="http://schemas.openxmlformats.org/officeDocument/2006/relationships" xmlns:p="http://schemas.openxmlformats.org/presentationml/2006/main" saveSubsetFonts="1">
   <p:sldMasterIdLst>
-    <p:sldMasterId id="2147483756" r:id="rId1"/>
+    <p:sldMasterId id="2147483780" r:id="rId1"/>
   </p:sldMasterIdLst>
   <p:sldIdLst>
     <p:sldId id="256" r:id="rId2"/>
@@ -22,9 +22,9 @@
   <p:notesSz cx="6858000" cy="9144000"/>
   <p:defaultTextStyle>
     <a:defPPr>
-      <a:defRPr lang="hu-HU"/>
+      <a:defRPr lang="en-US"/>
     </a:defPPr>
-    <a:lvl1pPr marL="0" algn="l" defTabSz="914400" rtl="0" eaLnBrk="1" latinLnBrk="0" hangingPunct="1">
+    <a:lvl1pPr marL="0" algn="l" defTabSz="457200" rtl="0" eaLnBrk="1" latinLnBrk="0" hangingPunct="1">
       <a:defRPr sz="1800" kern="1200">
         <a:solidFill>
           <a:schemeClr val="tx1"/>
@@ -34,7 +34,7 @@
         <a:cs typeface="+mn-cs"/>
       </a:defRPr>
     </a:lvl1pPr>
-    <a:lvl2pPr marL="457200" algn="l" defTabSz="914400" rtl="0" eaLnBrk="1" latinLnBrk="0" hangingPunct="1">
+    <a:lvl2pPr marL="457200" algn="l" defTabSz="457200" rtl="0" eaLnBrk="1" latinLnBrk="0" hangingPunct="1">
       <a:defRPr sz="1800" kern="1200">
         <a:solidFill>
           <a:schemeClr val="tx1"/>
@@ -44,7 +44,7 @@
         <a:cs typeface="+mn-cs"/>
       </a:defRPr>
     </a:lvl2pPr>
-    <a:lvl3pPr marL="914400" algn="l" defTabSz="914400" rtl="0" eaLnBrk="1" latinLnBrk="0" hangingPunct="1">
+    <a:lvl3pPr marL="914400" algn="l" defTabSz="457200" rtl="0" eaLnBrk="1" latinLnBrk="0" hangingPunct="1">
       <a:defRPr sz="1800" kern="1200">
         <a:solidFill>
           <a:schemeClr val="tx1"/>
@@ -54,7 +54,7 @@
         <a:cs typeface="+mn-cs"/>
       </a:defRPr>
     </a:lvl3pPr>
-    <a:lvl4pPr marL="1371600" algn="l" defTabSz="914400" rtl="0" eaLnBrk="1" latinLnBrk="0" hangingPunct="1">
+    <a:lvl4pPr marL="1371600" algn="l" defTabSz="457200" rtl="0" eaLnBrk="1" latinLnBrk="0" hangingPunct="1">
       <a:defRPr sz="1800" kern="1200">
         <a:solidFill>
           <a:schemeClr val="tx1"/>
@@ -64,7 +64,7 @@
         <a:cs typeface="+mn-cs"/>
       </a:defRPr>
     </a:lvl4pPr>
-    <a:lvl5pPr marL="1828800" algn="l" defTabSz="914400" rtl="0" eaLnBrk="1" latinLnBrk="0" hangingPunct="1">
+    <a:lvl5pPr marL="1828800" algn="l" defTabSz="457200" rtl="0" eaLnBrk="1" latinLnBrk="0" hangingPunct="1">
       <a:defRPr sz="1800" kern="1200">
         <a:solidFill>
           <a:schemeClr val="tx1"/>
@@ -74,7 +74,7 @@
         <a:cs typeface="+mn-cs"/>
       </a:defRPr>
     </a:lvl5pPr>
-    <a:lvl6pPr marL="2286000" algn="l" defTabSz="914400" rtl="0" eaLnBrk="1" latinLnBrk="0" hangingPunct="1">
+    <a:lvl6pPr marL="2286000" algn="l" defTabSz="457200" rtl="0" eaLnBrk="1" latinLnBrk="0" hangingPunct="1">
       <a:defRPr sz="1800" kern="1200">
         <a:solidFill>
           <a:schemeClr val="tx1"/>
@@ -84,7 +84,7 @@
         <a:cs typeface="+mn-cs"/>
       </a:defRPr>
     </a:lvl6pPr>
-    <a:lvl7pPr marL="2743200" algn="l" defTabSz="914400" rtl="0" eaLnBrk="1" latinLnBrk="0" hangingPunct="1">
+    <a:lvl7pPr marL="2743200" algn="l" defTabSz="457200" rtl="0" eaLnBrk="1" latinLnBrk="0" hangingPunct="1">
       <a:defRPr sz="1800" kern="1200">
         <a:solidFill>
           <a:schemeClr val="tx1"/>
@@ -94,7 +94,7 @@
         <a:cs typeface="+mn-cs"/>
       </a:defRPr>
     </a:lvl7pPr>
-    <a:lvl8pPr marL="3200400" algn="l" defTabSz="914400" rtl="0" eaLnBrk="1" latinLnBrk="0" hangingPunct="1">
+    <a:lvl8pPr marL="3200400" algn="l" defTabSz="457200" rtl="0" eaLnBrk="1" latinLnBrk="0" hangingPunct="1">
       <a:defRPr sz="1800" kern="1200">
         <a:solidFill>
           <a:schemeClr val="tx1"/>
@@ -104,7 +104,7 @@
         <a:cs typeface="+mn-cs"/>
       </a:defRPr>
     </a:lvl8pPr>
-    <a:lvl9pPr marL="3657600" algn="l" defTabSz="914400" rtl="0" eaLnBrk="1" latinLnBrk="0" hangingPunct="1">
+    <a:lvl9pPr marL="3657600" algn="l" defTabSz="457200" rtl="0" eaLnBrk="1" latinLnBrk="0" hangingPunct="1">
       <a:defRPr sz="1800" kern="1200">
         <a:solidFill>
           <a:schemeClr val="tx1"/>
@@ -115,6 +115,11 @@
       </a:defRPr>
     </a:lvl9pPr>
   </p:defaultTextStyle>
+  <p:extLst>
+    <p:ext uri="{EFAFB233-063F-42B5-8137-9DF3F51BA10A}">
+      <p15:sldGuideLst xmlns:p15="http://schemas.microsoft.com/office/powerpoint/2012/main"/>
+    </p:ext>
+  </p:extLst>
 </p:presentation>
 </file>
 
@@ -137,7 +142,7 @@
       </p:grpSpPr>
       <p:sp>
         <p:nvSpPr>
-          <p:cNvPr id="2" name="Cím 1"/>
+          <p:cNvPr id="2" name="Title 1"/>
           <p:cNvSpPr>
             <a:spLocks noGrp="1"/>
           </p:cNvSpPr>
@@ -163,13 +168,13 @@
               <a:rPr lang="hu-HU" smtClean="0"/>
               <a:t>Mintacím szerkesztése</a:t>
             </a:r>
-            <a:endParaRPr lang="hu-HU"/>
-          </a:p>
-        </p:txBody>
-      </p:sp>
-      <p:sp>
-        <p:nvSpPr>
-          <p:cNvPr id="3" name="Alcím 2"/>
+            <a:endParaRPr lang="en-US" dirty="0"/>
+          </a:p>
+        </p:txBody>
+      </p:sp>
+      <p:sp>
+        <p:nvSpPr>
+          <p:cNvPr id="3" name="Subtitle 2"/>
           <p:cNvSpPr>
             <a:spLocks noGrp="1"/>
           </p:cNvSpPr>
@@ -228,13 +233,13 @@
               <a:rPr lang="hu-HU" smtClean="0"/>
               <a:t>Kattintson ide az alcím mintájának szerkesztéséhez</a:t>
             </a:r>
-            <a:endParaRPr lang="hu-HU"/>
-          </a:p>
-        </p:txBody>
-      </p:sp>
-      <p:sp>
-        <p:nvSpPr>
-          <p:cNvPr id="4" name="Dátum helye 3"/>
+            <a:endParaRPr lang="en-US" dirty="0"/>
+          </a:p>
+        </p:txBody>
+      </p:sp>
+      <p:sp>
+        <p:nvSpPr>
+          <p:cNvPr id="4" name="Date Placeholder 3"/>
           <p:cNvSpPr>
             <a:spLocks noGrp="1"/>
           </p:cNvSpPr>
@@ -249,7 +254,7 @@
           <a:p>
             <a:fld id="{66D59C51-8D6E-49DA-BD0A-2ECEBBB29188}" type="datetimeFigureOut">
               <a:rPr lang="hu-HU" smtClean="0"/>
-              <a:t>2022.09.08.</a:t>
+              <a:t>2022.09.12.</a:t>
             </a:fld>
             <a:endParaRPr lang="hu-HU"/>
           </a:p>
@@ -257,7 +262,7 @@
       </p:sp>
       <p:sp>
         <p:nvSpPr>
-          <p:cNvPr id="5" name="Élőláb helye 4"/>
+          <p:cNvPr id="5" name="Footer Placeholder 4"/>
           <p:cNvSpPr>
             <a:spLocks noGrp="1"/>
           </p:cNvSpPr>
@@ -276,7 +281,7 @@
       </p:sp>
       <p:sp>
         <p:nvSpPr>
-          <p:cNvPr id="6" name="Dia számának helye 5"/>
+          <p:cNvPr id="6" name="Slide Number Placeholder 5"/>
           <p:cNvSpPr>
             <a:spLocks noGrp="1"/>
           </p:cNvSpPr>
@@ -300,7 +305,7 @@
     </p:spTree>
     <p:extLst>
       <p:ext uri="{BB962C8B-B14F-4D97-AF65-F5344CB8AC3E}">
-        <p14:creationId xmlns:p14="http://schemas.microsoft.com/office/powerpoint/2010/main" val="432077983"/>
+        <p14:creationId xmlns:p14="http://schemas.microsoft.com/office/powerpoint/2010/main" val="3633715823"/>
       </p:ext>
     </p:extLst>
   </p:cSld>
@@ -329,7 +334,7 @@
       </p:grpSpPr>
       <p:sp>
         <p:nvSpPr>
-          <p:cNvPr id="2" name="Cím 1"/>
+          <p:cNvPr id="2" name="Title 1"/>
           <p:cNvSpPr>
             <a:spLocks noGrp="1"/>
           </p:cNvSpPr>
@@ -346,13 +351,13 @@
               <a:rPr lang="hu-HU" smtClean="0"/>
               <a:t>Mintacím szerkesztése</a:t>
             </a:r>
-            <a:endParaRPr lang="hu-HU"/>
-          </a:p>
-        </p:txBody>
-      </p:sp>
-      <p:sp>
-        <p:nvSpPr>
-          <p:cNvPr id="3" name="Függőleges szöveg helye 2"/>
+            <a:endParaRPr lang="en-US" dirty="0"/>
+          </a:p>
+        </p:txBody>
+      </p:sp>
+      <p:sp>
+        <p:nvSpPr>
+          <p:cNvPr id="3" name="Vertical Text Placeholder 2"/>
           <p:cNvSpPr>
             <a:spLocks noGrp="1"/>
           </p:cNvSpPr>
@@ -398,13 +403,13 @@
               <a:rPr lang="hu-HU" smtClean="0"/>
               <a:t>Ötödik szint</a:t>
             </a:r>
-            <a:endParaRPr lang="hu-HU"/>
-          </a:p>
-        </p:txBody>
-      </p:sp>
-      <p:sp>
-        <p:nvSpPr>
-          <p:cNvPr id="4" name="Dátum helye 3"/>
+            <a:endParaRPr lang="en-US" dirty="0"/>
+          </a:p>
+        </p:txBody>
+      </p:sp>
+      <p:sp>
+        <p:nvSpPr>
+          <p:cNvPr id="4" name="Date Placeholder 3"/>
           <p:cNvSpPr>
             <a:spLocks noGrp="1"/>
           </p:cNvSpPr>
@@ -419,7 +424,7 @@
           <a:p>
             <a:fld id="{66D59C51-8D6E-49DA-BD0A-2ECEBBB29188}" type="datetimeFigureOut">
               <a:rPr lang="hu-HU" smtClean="0"/>
-              <a:t>2022.09.08.</a:t>
+              <a:t>2022.09.12.</a:t>
             </a:fld>
             <a:endParaRPr lang="hu-HU"/>
           </a:p>
@@ -427,7 +432,7 @@
       </p:sp>
       <p:sp>
         <p:nvSpPr>
-          <p:cNvPr id="5" name="Élőláb helye 4"/>
+          <p:cNvPr id="5" name="Footer Placeholder 4"/>
           <p:cNvSpPr>
             <a:spLocks noGrp="1"/>
           </p:cNvSpPr>
@@ -446,7 +451,7 @@
       </p:sp>
       <p:sp>
         <p:nvSpPr>
-          <p:cNvPr id="6" name="Dia számának helye 5"/>
+          <p:cNvPr id="6" name="Slide Number Placeholder 5"/>
           <p:cNvSpPr>
             <a:spLocks noGrp="1"/>
           </p:cNvSpPr>
@@ -470,7 +475,7 @@
     </p:spTree>
     <p:extLst>
       <p:ext uri="{BB962C8B-B14F-4D97-AF65-F5344CB8AC3E}">
-        <p14:creationId xmlns:p14="http://schemas.microsoft.com/office/powerpoint/2010/main" val="1898268118"/>
+        <p14:creationId xmlns:p14="http://schemas.microsoft.com/office/powerpoint/2010/main" val="3275408183"/>
       </p:ext>
     </p:extLst>
   </p:cSld>
@@ -499,7 +504,7 @@
       </p:grpSpPr>
       <p:sp>
         <p:nvSpPr>
-          <p:cNvPr id="2" name="Függőleges cím 1"/>
+          <p:cNvPr id="2" name="Vertical Title 1"/>
           <p:cNvSpPr>
             <a:spLocks noGrp="1"/>
           </p:cNvSpPr>
@@ -521,13 +526,13 @@
               <a:rPr lang="hu-HU" smtClean="0"/>
               <a:t>Mintacím szerkesztése</a:t>
             </a:r>
-            <a:endParaRPr lang="hu-HU"/>
-          </a:p>
-        </p:txBody>
-      </p:sp>
-      <p:sp>
-        <p:nvSpPr>
-          <p:cNvPr id="3" name="Függőleges szöveg helye 2"/>
+            <a:endParaRPr lang="en-US" dirty="0"/>
+          </a:p>
+        </p:txBody>
+      </p:sp>
+      <p:sp>
+        <p:nvSpPr>
+          <p:cNvPr id="3" name="Vertical Text Placeholder 2"/>
           <p:cNvSpPr>
             <a:spLocks noGrp="1"/>
           </p:cNvSpPr>
@@ -578,13 +583,13 @@
               <a:rPr lang="hu-HU" smtClean="0"/>
               <a:t>Ötödik szint</a:t>
             </a:r>
-            <a:endParaRPr lang="hu-HU"/>
-          </a:p>
-        </p:txBody>
-      </p:sp>
-      <p:sp>
-        <p:nvSpPr>
-          <p:cNvPr id="4" name="Dátum helye 3"/>
+            <a:endParaRPr lang="en-US" dirty="0"/>
+          </a:p>
+        </p:txBody>
+      </p:sp>
+      <p:sp>
+        <p:nvSpPr>
+          <p:cNvPr id="4" name="Date Placeholder 3"/>
           <p:cNvSpPr>
             <a:spLocks noGrp="1"/>
           </p:cNvSpPr>
@@ -599,7 +604,7 @@
           <a:p>
             <a:fld id="{66D59C51-8D6E-49DA-BD0A-2ECEBBB29188}" type="datetimeFigureOut">
               <a:rPr lang="hu-HU" smtClean="0"/>
-              <a:t>2022.09.08.</a:t>
+              <a:t>2022.09.12.</a:t>
             </a:fld>
             <a:endParaRPr lang="hu-HU"/>
           </a:p>
@@ -607,7 +612,7 @@
       </p:sp>
       <p:sp>
         <p:nvSpPr>
-          <p:cNvPr id="5" name="Élőláb helye 4"/>
+          <p:cNvPr id="5" name="Footer Placeholder 4"/>
           <p:cNvSpPr>
             <a:spLocks noGrp="1"/>
           </p:cNvSpPr>
@@ -626,7 +631,7 @@
       </p:sp>
       <p:sp>
         <p:nvSpPr>
-          <p:cNvPr id="6" name="Dia számának helye 5"/>
+          <p:cNvPr id="6" name="Slide Number Placeholder 5"/>
           <p:cNvSpPr>
             <a:spLocks noGrp="1"/>
           </p:cNvSpPr>
@@ -650,7 +655,7 @@
     </p:spTree>
     <p:extLst>
       <p:ext uri="{BB962C8B-B14F-4D97-AF65-F5344CB8AC3E}">
-        <p14:creationId xmlns:p14="http://schemas.microsoft.com/office/powerpoint/2010/main" val="1416250785"/>
+        <p14:creationId xmlns:p14="http://schemas.microsoft.com/office/powerpoint/2010/main" val="4171788119"/>
       </p:ext>
     </p:extLst>
   </p:cSld>
@@ -679,7 +684,7 @@
       </p:grpSpPr>
       <p:sp>
         <p:nvSpPr>
-          <p:cNvPr id="2" name="Cím 1"/>
+          <p:cNvPr id="2" name="Title 1"/>
           <p:cNvSpPr>
             <a:spLocks noGrp="1"/>
           </p:cNvSpPr>
@@ -696,13 +701,13 @@
               <a:rPr lang="hu-HU" smtClean="0"/>
               <a:t>Mintacím szerkesztése</a:t>
             </a:r>
-            <a:endParaRPr lang="hu-HU"/>
-          </a:p>
-        </p:txBody>
-      </p:sp>
-      <p:sp>
-        <p:nvSpPr>
-          <p:cNvPr id="3" name="Tartalom helye 2"/>
+            <a:endParaRPr lang="en-US" dirty="0"/>
+          </a:p>
+        </p:txBody>
+      </p:sp>
+      <p:sp>
+        <p:nvSpPr>
+          <p:cNvPr id="3" name="Content Placeholder 2"/>
           <p:cNvSpPr>
             <a:spLocks noGrp="1"/>
           </p:cNvSpPr>
@@ -748,13 +753,13 @@
               <a:rPr lang="hu-HU" smtClean="0"/>
               <a:t>Ötödik szint</a:t>
             </a:r>
-            <a:endParaRPr lang="hu-HU"/>
-          </a:p>
-        </p:txBody>
-      </p:sp>
-      <p:sp>
-        <p:nvSpPr>
-          <p:cNvPr id="4" name="Dátum helye 3"/>
+            <a:endParaRPr lang="en-US" dirty="0"/>
+          </a:p>
+        </p:txBody>
+      </p:sp>
+      <p:sp>
+        <p:nvSpPr>
+          <p:cNvPr id="4" name="Date Placeholder 3"/>
           <p:cNvSpPr>
             <a:spLocks noGrp="1"/>
           </p:cNvSpPr>
@@ -769,7 +774,7 @@
           <a:p>
             <a:fld id="{66D59C51-8D6E-49DA-BD0A-2ECEBBB29188}" type="datetimeFigureOut">
               <a:rPr lang="hu-HU" smtClean="0"/>
-              <a:t>2022.09.08.</a:t>
+              <a:t>2022.09.12.</a:t>
             </a:fld>
             <a:endParaRPr lang="hu-HU"/>
           </a:p>
@@ -777,7 +782,7 @@
       </p:sp>
       <p:sp>
         <p:nvSpPr>
-          <p:cNvPr id="5" name="Élőláb helye 4"/>
+          <p:cNvPr id="5" name="Footer Placeholder 4"/>
           <p:cNvSpPr>
             <a:spLocks noGrp="1"/>
           </p:cNvSpPr>
@@ -796,7 +801,7 @@
       </p:sp>
       <p:sp>
         <p:nvSpPr>
-          <p:cNvPr id="6" name="Dia számának helye 5"/>
+          <p:cNvPr id="6" name="Slide Number Placeholder 5"/>
           <p:cNvSpPr>
             <a:spLocks noGrp="1"/>
           </p:cNvSpPr>
@@ -820,7 +825,7 @@
     </p:spTree>
     <p:extLst>
       <p:ext uri="{BB962C8B-B14F-4D97-AF65-F5344CB8AC3E}">
-        <p14:creationId xmlns:p14="http://schemas.microsoft.com/office/powerpoint/2010/main" val="1270837758"/>
+        <p14:creationId xmlns:p14="http://schemas.microsoft.com/office/powerpoint/2010/main" val="2336224296"/>
       </p:ext>
     </p:extLst>
   </p:cSld>
@@ -849,7 +854,7 @@
       </p:grpSpPr>
       <p:sp>
         <p:nvSpPr>
-          <p:cNvPr id="2" name="Cím 1"/>
+          <p:cNvPr id="2" name="Title 1"/>
           <p:cNvSpPr>
             <a:spLocks noGrp="1"/>
           </p:cNvSpPr>
@@ -875,13 +880,13 @@
               <a:rPr lang="hu-HU" smtClean="0"/>
               <a:t>Mintacím szerkesztése</a:t>
             </a:r>
-            <a:endParaRPr lang="hu-HU"/>
-          </a:p>
-        </p:txBody>
-      </p:sp>
-      <p:sp>
-        <p:nvSpPr>
-          <p:cNvPr id="3" name="Szöveg helye 2"/>
+            <a:endParaRPr lang="en-US" dirty="0"/>
+          </a:p>
+        </p:txBody>
+      </p:sp>
+      <p:sp>
+        <p:nvSpPr>
+          <p:cNvPr id="3" name="Text Placeholder 2"/>
           <p:cNvSpPr>
             <a:spLocks noGrp="1"/>
           </p:cNvSpPr>
@@ -1000,7 +1005,7 @@
       </p:sp>
       <p:sp>
         <p:nvSpPr>
-          <p:cNvPr id="4" name="Dátum helye 3"/>
+          <p:cNvPr id="4" name="Date Placeholder 3"/>
           <p:cNvSpPr>
             <a:spLocks noGrp="1"/>
           </p:cNvSpPr>
@@ -1015,7 +1020,7 @@
           <a:p>
             <a:fld id="{66D59C51-8D6E-49DA-BD0A-2ECEBBB29188}" type="datetimeFigureOut">
               <a:rPr lang="hu-HU" smtClean="0"/>
-              <a:t>2022.09.08.</a:t>
+              <a:t>2022.09.12.</a:t>
             </a:fld>
             <a:endParaRPr lang="hu-HU"/>
           </a:p>
@@ -1023,7 +1028,7 @@
       </p:sp>
       <p:sp>
         <p:nvSpPr>
-          <p:cNvPr id="5" name="Élőláb helye 4"/>
+          <p:cNvPr id="5" name="Footer Placeholder 4"/>
           <p:cNvSpPr>
             <a:spLocks noGrp="1"/>
           </p:cNvSpPr>
@@ -1042,7 +1047,7 @@
       </p:sp>
       <p:sp>
         <p:nvSpPr>
-          <p:cNvPr id="6" name="Dia számának helye 5"/>
+          <p:cNvPr id="6" name="Slide Number Placeholder 5"/>
           <p:cNvSpPr>
             <a:spLocks noGrp="1"/>
           </p:cNvSpPr>
@@ -1066,7 +1071,7 @@
     </p:spTree>
     <p:extLst>
       <p:ext uri="{BB962C8B-B14F-4D97-AF65-F5344CB8AC3E}">
-        <p14:creationId xmlns:p14="http://schemas.microsoft.com/office/powerpoint/2010/main" val="1926873123"/>
+        <p14:creationId xmlns:p14="http://schemas.microsoft.com/office/powerpoint/2010/main" val="3881828962"/>
       </p:ext>
     </p:extLst>
   </p:cSld>
@@ -1095,7 +1100,7 @@
       </p:grpSpPr>
       <p:sp>
         <p:nvSpPr>
-          <p:cNvPr id="2" name="Cím 1"/>
+          <p:cNvPr id="2" name="Title 1"/>
           <p:cNvSpPr>
             <a:spLocks noGrp="1"/>
           </p:cNvSpPr>
@@ -1112,13 +1117,13 @@
               <a:rPr lang="hu-HU" smtClean="0"/>
               <a:t>Mintacím szerkesztése</a:t>
             </a:r>
-            <a:endParaRPr lang="hu-HU"/>
-          </a:p>
-        </p:txBody>
-      </p:sp>
-      <p:sp>
-        <p:nvSpPr>
-          <p:cNvPr id="3" name="Tartalom helye 2"/>
+            <a:endParaRPr lang="en-US" dirty="0"/>
+          </a:p>
+        </p:txBody>
+      </p:sp>
+      <p:sp>
+        <p:nvSpPr>
+          <p:cNvPr id="3" name="Content Placeholder 2"/>
           <p:cNvSpPr>
             <a:spLocks noGrp="1"/>
           </p:cNvSpPr>
@@ -1169,13 +1174,13 @@
               <a:rPr lang="hu-HU" smtClean="0"/>
               <a:t>Ötödik szint</a:t>
             </a:r>
-            <a:endParaRPr lang="hu-HU"/>
-          </a:p>
-        </p:txBody>
-      </p:sp>
-      <p:sp>
-        <p:nvSpPr>
-          <p:cNvPr id="4" name="Tartalom helye 3"/>
+            <a:endParaRPr lang="en-US" dirty="0"/>
+          </a:p>
+        </p:txBody>
+      </p:sp>
+      <p:sp>
+        <p:nvSpPr>
+          <p:cNvPr id="4" name="Content Placeholder 3"/>
           <p:cNvSpPr>
             <a:spLocks noGrp="1"/>
           </p:cNvSpPr>
@@ -1226,13 +1231,13 @@
               <a:rPr lang="hu-HU" smtClean="0"/>
               <a:t>Ötödik szint</a:t>
             </a:r>
-            <a:endParaRPr lang="hu-HU"/>
-          </a:p>
-        </p:txBody>
-      </p:sp>
-      <p:sp>
-        <p:nvSpPr>
-          <p:cNvPr id="5" name="Dátum helye 4"/>
+            <a:endParaRPr lang="en-US" dirty="0"/>
+          </a:p>
+        </p:txBody>
+      </p:sp>
+      <p:sp>
+        <p:nvSpPr>
+          <p:cNvPr id="5" name="Date Placeholder 4"/>
           <p:cNvSpPr>
             <a:spLocks noGrp="1"/>
           </p:cNvSpPr>
@@ -1247,7 +1252,7 @@
           <a:p>
             <a:fld id="{66D59C51-8D6E-49DA-BD0A-2ECEBBB29188}" type="datetimeFigureOut">
               <a:rPr lang="hu-HU" smtClean="0"/>
-              <a:t>2022.09.08.</a:t>
+              <a:t>2022.09.12.</a:t>
             </a:fld>
             <a:endParaRPr lang="hu-HU"/>
           </a:p>
@@ -1255,7 +1260,7 @@
       </p:sp>
       <p:sp>
         <p:nvSpPr>
-          <p:cNvPr id="6" name="Élőláb helye 5"/>
+          <p:cNvPr id="6" name="Footer Placeholder 5"/>
           <p:cNvSpPr>
             <a:spLocks noGrp="1"/>
           </p:cNvSpPr>
@@ -1274,7 +1279,7 @@
       </p:sp>
       <p:sp>
         <p:nvSpPr>
-          <p:cNvPr id="7" name="Dia számának helye 6"/>
+          <p:cNvPr id="7" name="Slide Number Placeholder 6"/>
           <p:cNvSpPr>
             <a:spLocks noGrp="1"/>
           </p:cNvSpPr>
@@ -1298,7 +1303,7 @@
     </p:spTree>
     <p:extLst>
       <p:ext uri="{BB962C8B-B14F-4D97-AF65-F5344CB8AC3E}">
-        <p14:creationId xmlns:p14="http://schemas.microsoft.com/office/powerpoint/2010/main" val="1401562510"/>
+        <p14:creationId xmlns:p14="http://schemas.microsoft.com/office/powerpoint/2010/main" val="2009198338"/>
       </p:ext>
     </p:extLst>
   </p:cSld>
@@ -1327,7 +1332,7 @@
       </p:grpSpPr>
       <p:sp>
         <p:nvSpPr>
-          <p:cNvPr id="2" name="Cím 1"/>
+          <p:cNvPr id="2" name="Title 1"/>
           <p:cNvSpPr>
             <a:spLocks noGrp="1"/>
           </p:cNvSpPr>
@@ -1349,13 +1354,13 @@
               <a:rPr lang="hu-HU" smtClean="0"/>
               <a:t>Mintacím szerkesztése</a:t>
             </a:r>
-            <a:endParaRPr lang="hu-HU"/>
-          </a:p>
-        </p:txBody>
-      </p:sp>
-      <p:sp>
-        <p:nvSpPr>
-          <p:cNvPr id="3" name="Szöveg helye 2"/>
+            <a:endParaRPr lang="en-US" dirty="0"/>
+          </a:p>
+        </p:txBody>
+      </p:sp>
+      <p:sp>
+        <p:nvSpPr>
+          <p:cNvPr id="3" name="Text Placeholder 2"/>
           <p:cNvSpPr>
             <a:spLocks noGrp="1"/>
           </p:cNvSpPr>
@@ -1420,7 +1425,7 @@
       </p:sp>
       <p:sp>
         <p:nvSpPr>
-          <p:cNvPr id="4" name="Tartalom helye 3"/>
+          <p:cNvPr id="4" name="Content Placeholder 3"/>
           <p:cNvSpPr>
             <a:spLocks noGrp="1"/>
           </p:cNvSpPr>
@@ -1471,13 +1476,13 @@
               <a:rPr lang="hu-HU" smtClean="0"/>
               <a:t>Ötödik szint</a:t>
             </a:r>
-            <a:endParaRPr lang="hu-HU"/>
-          </a:p>
-        </p:txBody>
-      </p:sp>
-      <p:sp>
-        <p:nvSpPr>
-          <p:cNvPr id="5" name="Szöveg helye 4"/>
+            <a:endParaRPr lang="en-US" dirty="0"/>
+          </a:p>
+        </p:txBody>
+      </p:sp>
+      <p:sp>
+        <p:nvSpPr>
+          <p:cNvPr id="5" name="Text Placeholder 4"/>
           <p:cNvSpPr>
             <a:spLocks noGrp="1"/>
           </p:cNvSpPr>
@@ -1542,7 +1547,7 @@
       </p:sp>
       <p:sp>
         <p:nvSpPr>
-          <p:cNvPr id="6" name="Tartalom helye 5"/>
+          <p:cNvPr id="6" name="Content Placeholder 5"/>
           <p:cNvSpPr>
             <a:spLocks noGrp="1"/>
           </p:cNvSpPr>
@@ -1593,13 +1598,13 @@
               <a:rPr lang="hu-HU" smtClean="0"/>
               <a:t>Ötödik szint</a:t>
             </a:r>
-            <a:endParaRPr lang="hu-HU"/>
-          </a:p>
-        </p:txBody>
-      </p:sp>
-      <p:sp>
-        <p:nvSpPr>
-          <p:cNvPr id="7" name="Dátum helye 6"/>
+            <a:endParaRPr lang="en-US" dirty="0"/>
+          </a:p>
+        </p:txBody>
+      </p:sp>
+      <p:sp>
+        <p:nvSpPr>
+          <p:cNvPr id="7" name="Date Placeholder 6"/>
           <p:cNvSpPr>
             <a:spLocks noGrp="1"/>
           </p:cNvSpPr>
@@ -1614,7 +1619,7 @@
           <a:p>
             <a:fld id="{66D59C51-8D6E-49DA-BD0A-2ECEBBB29188}" type="datetimeFigureOut">
               <a:rPr lang="hu-HU" smtClean="0"/>
-              <a:t>2022.09.08.</a:t>
+              <a:t>2022.09.12.</a:t>
             </a:fld>
             <a:endParaRPr lang="hu-HU"/>
           </a:p>
@@ -1622,7 +1627,7 @@
       </p:sp>
       <p:sp>
         <p:nvSpPr>
-          <p:cNvPr id="8" name="Élőláb helye 7"/>
+          <p:cNvPr id="8" name="Footer Placeholder 7"/>
           <p:cNvSpPr>
             <a:spLocks noGrp="1"/>
           </p:cNvSpPr>
@@ -1641,7 +1646,7 @@
       </p:sp>
       <p:sp>
         <p:nvSpPr>
-          <p:cNvPr id="9" name="Dia számának helye 8"/>
+          <p:cNvPr id="9" name="Slide Number Placeholder 8"/>
           <p:cNvSpPr>
             <a:spLocks noGrp="1"/>
           </p:cNvSpPr>
@@ -1665,7 +1670,7 @@
     </p:spTree>
     <p:extLst>
       <p:ext uri="{BB962C8B-B14F-4D97-AF65-F5344CB8AC3E}">
-        <p14:creationId xmlns:p14="http://schemas.microsoft.com/office/powerpoint/2010/main" val="3968009605"/>
+        <p14:creationId xmlns:p14="http://schemas.microsoft.com/office/powerpoint/2010/main" val="3671361470"/>
       </p:ext>
     </p:extLst>
   </p:cSld>
@@ -1694,7 +1699,7 @@
       </p:grpSpPr>
       <p:sp>
         <p:nvSpPr>
-          <p:cNvPr id="2" name="Cím 1"/>
+          <p:cNvPr id="2" name="Title 1"/>
           <p:cNvSpPr>
             <a:spLocks noGrp="1"/>
           </p:cNvSpPr>
@@ -1711,13 +1716,13 @@
               <a:rPr lang="hu-HU" smtClean="0"/>
               <a:t>Mintacím szerkesztése</a:t>
             </a:r>
-            <a:endParaRPr lang="hu-HU"/>
-          </a:p>
-        </p:txBody>
-      </p:sp>
-      <p:sp>
-        <p:nvSpPr>
-          <p:cNvPr id="3" name="Dátum helye 2"/>
+            <a:endParaRPr lang="en-US" dirty="0"/>
+          </a:p>
+        </p:txBody>
+      </p:sp>
+      <p:sp>
+        <p:nvSpPr>
+          <p:cNvPr id="3" name="Date Placeholder 2"/>
           <p:cNvSpPr>
             <a:spLocks noGrp="1"/>
           </p:cNvSpPr>
@@ -1732,7 +1737,7 @@
           <a:p>
             <a:fld id="{66D59C51-8D6E-49DA-BD0A-2ECEBBB29188}" type="datetimeFigureOut">
               <a:rPr lang="hu-HU" smtClean="0"/>
-              <a:t>2022.09.08.</a:t>
+              <a:t>2022.09.12.</a:t>
             </a:fld>
             <a:endParaRPr lang="hu-HU"/>
           </a:p>
@@ -1740,7 +1745,7 @@
       </p:sp>
       <p:sp>
         <p:nvSpPr>
-          <p:cNvPr id="4" name="Élőláb helye 3"/>
+          <p:cNvPr id="4" name="Footer Placeholder 3"/>
           <p:cNvSpPr>
             <a:spLocks noGrp="1"/>
           </p:cNvSpPr>
@@ -1759,7 +1764,7 @@
       </p:sp>
       <p:sp>
         <p:nvSpPr>
-          <p:cNvPr id="5" name="Dia számának helye 4"/>
+          <p:cNvPr id="5" name="Slide Number Placeholder 4"/>
           <p:cNvSpPr>
             <a:spLocks noGrp="1"/>
           </p:cNvSpPr>
@@ -1783,7 +1788,7 @@
     </p:spTree>
     <p:extLst>
       <p:ext uri="{BB962C8B-B14F-4D97-AF65-F5344CB8AC3E}">
-        <p14:creationId xmlns:p14="http://schemas.microsoft.com/office/powerpoint/2010/main" val="456870612"/>
+        <p14:creationId xmlns:p14="http://schemas.microsoft.com/office/powerpoint/2010/main" val="1295658155"/>
       </p:ext>
     </p:extLst>
   </p:cSld>
@@ -1812,7 +1817,7 @@
       </p:grpSpPr>
       <p:sp>
         <p:nvSpPr>
-          <p:cNvPr id="2" name="Dátum helye 1"/>
+          <p:cNvPr id="2" name="Date Placeholder 1"/>
           <p:cNvSpPr>
             <a:spLocks noGrp="1"/>
           </p:cNvSpPr>
@@ -1827,7 +1832,7 @@
           <a:p>
             <a:fld id="{66D59C51-8D6E-49DA-BD0A-2ECEBBB29188}" type="datetimeFigureOut">
               <a:rPr lang="hu-HU" smtClean="0"/>
-              <a:t>2022.09.08.</a:t>
+              <a:t>2022.09.12.</a:t>
             </a:fld>
             <a:endParaRPr lang="hu-HU"/>
           </a:p>
@@ -1835,7 +1840,7 @@
       </p:sp>
       <p:sp>
         <p:nvSpPr>
-          <p:cNvPr id="3" name="Élőláb helye 2"/>
+          <p:cNvPr id="3" name="Footer Placeholder 2"/>
           <p:cNvSpPr>
             <a:spLocks noGrp="1"/>
           </p:cNvSpPr>
@@ -1854,7 +1859,7 @@
       </p:sp>
       <p:sp>
         <p:nvSpPr>
-          <p:cNvPr id="4" name="Dia számának helye 3"/>
+          <p:cNvPr id="4" name="Slide Number Placeholder 3"/>
           <p:cNvSpPr>
             <a:spLocks noGrp="1"/>
           </p:cNvSpPr>
@@ -1878,7 +1883,7 @@
     </p:spTree>
     <p:extLst>
       <p:ext uri="{BB962C8B-B14F-4D97-AF65-F5344CB8AC3E}">
-        <p14:creationId xmlns:p14="http://schemas.microsoft.com/office/powerpoint/2010/main" val="2320039522"/>
+        <p14:creationId xmlns:p14="http://schemas.microsoft.com/office/powerpoint/2010/main" val="1335694342"/>
       </p:ext>
     </p:extLst>
   </p:cSld>
@@ -1907,7 +1912,7 @@
       </p:grpSpPr>
       <p:sp>
         <p:nvSpPr>
-          <p:cNvPr id="2" name="Cím 1"/>
+          <p:cNvPr id="2" name="Title 1"/>
           <p:cNvSpPr>
             <a:spLocks noGrp="1"/>
           </p:cNvSpPr>
@@ -1933,13 +1938,13 @@
               <a:rPr lang="hu-HU" smtClean="0"/>
               <a:t>Mintacím szerkesztése</a:t>
             </a:r>
-            <a:endParaRPr lang="hu-HU"/>
-          </a:p>
-        </p:txBody>
-      </p:sp>
-      <p:sp>
-        <p:nvSpPr>
-          <p:cNvPr id="3" name="Tartalom helye 2"/>
+            <a:endParaRPr lang="en-US" dirty="0"/>
+          </a:p>
+        </p:txBody>
+      </p:sp>
+      <p:sp>
+        <p:nvSpPr>
+          <p:cNvPr id="3" name="Content Placeholder 2"/>
           <p:cNvSpPr>
             <a:spLocks noGrp="1"/>
           </p:cNvSpPr>
@@ -2018,13 +2023,13 @@
               <a:rPr lang="hu-HU" smtClean="0"/>
               <a:t>Ötödik szint</a:t>
             </a:r>
-            <a:endParaRPr lang="hu-HU"/>
-          </a:p>
-        </p:txBody>
-      </p:sp>
-      <p:sp>
-        <p:nvSpPr>
-          <p:cNvPr id="4" name="Szöveg helye 3"/>
+            <a:endParaRPr lang="en-US" dirty="0"/>
+          </a:p>
+        </p:txBody>
+      </p:sp>
+      <p:sp>
+        <p:nvSpPr>
+          <p:cNvPr id="4" name="Text Placeholder 3"/>
           <p:cNvSpPr>
             <a:spLocks noGrp="1"/>
           </p:cNvSpPr>
@@ -2089,7 +2094,7 @@
       </p:sp>
       <p:sp>
         <p:nvSpPr>
-          <p:cNvPr id="5" name="Dátum helye 4"/>
+          <p:cNvPr id="5" name="Date Placeholder 4"/>
           <p:cNvSpPr>
             <a:spLocks noGrp="1"/>
           </p:cNvSpPr>
@@ -2104,7 +2109,7 @@
           <a:p>
             <a:fld id="{66D59C51-8D6E-49DA-BD0A-2ECEBBB29188}" type="datetimeFigureOut">
               <a:rPr lang="hu-HU" smtClean="0"/>
-              <a:t>2022.09.08.</a:t>
+              <a:t>2022.09.12.</a:t>
             </a:fld>
             <a:endParaRPr lang="hu-HU"/>
           </a:p>
@@ -2112,7 +2117,7 @@
       </p:sp>
       <p:sp>
         <p:nvSpPr>
-          <p:cNvPr id="6" name="Élőláb helye 5"/>
+          <p:cNvPr id="6" name="Footer Placeholder 5"/>
           <p:cNvSpPr>
             <a:spLocks noGrp="1"/>
           </p:cNvSpPr>
@@ -2131,7 +2136,7 @@
       </p:sp>
       <p:sp>
         <p:nvSpPr>
-          <p:cNvPr id="7" name="Dia számának helye 6"/>
+          <p:cNvPr id="7" name="Slide Number Placeholder 6"/>
           <p:cNvSpPr>
             <a:spLocks noGrp="1"/>
           </p:cNvSpPr>
@@ -2155,7 +2160,7 @@
     </p:spTree>
     <p:extLst>
       <p:ext uri="{BB962C8B-B14F-4D97-AF65-F5344CB8AC3E}">
-        <p14:creationId xmlns:p14="http://schemas.microsoft.com/office/powerpoint/2010/main" val="2128373366"/>
+        <p14:creationId xmlns:p14="http://schemas.microsoft.com/office/powerpoint/2010/main" val="2921414247"/>
       </p:ext>
     </p:extLst>
   </p:cSld>
@@ -2184,7 +2189,7 @@
       </p:grpSpPr>
       <p:sp>
         <p:nvSpPr>
-          <p:cNvPr id="2" name="Cím 1"/>
+          <p:cNvPr id="2" name="Title 1"/>
           <p:cNvSpPr>
             <a:spLocks noGrp="1"/>
           </p:cNvSpPr>
@@ -2210,15 +2215,15 @@
               <a:rPr lang="hu-HU" smtClean="0"/>
               <a:t>Mintacím szerkesztése</a:t>
             </a:r>
-            <a:endParaRPr lang="hu-HU"/>
-          </a:p>
-        </p:txBody>
-      </p:sp>
-      <p:sp>
-        <p:nvSpPr>
-          <p:cNvPr id="3" name="Kép helye 2"/>
-          <p:cNvSpPr>
-            <a:spLocks noGrp="1"/>
+            <a:endParaRPr lang="en-US" dirty="0"/>
+          </a:p>
+        </p:txBody>
+      </p:sp>
+      <p:sp>
+        <p:nvSpPr>
+          <p:cNvPr id="3" name="Picture Placeholder 2"/>
+          <p:cNvSpPr>
+            <a:spLocks noGrp="1" noChangeAspect="1"/>
           </p:cNvSpPr>
           <p:nvPr>
             <p:ph type="pic" idx="1"/>
@@ -2231,7 +2236,7 @@
           </a:xfrm>
         </p:spPr>
         <p:txBody>
-          <a:bodyPr/>
+          <a:bodyPr anchor="t"/>
           <a:lstStyle>
             <a:lvl1pPr marL="0" indent="0">
               <a:buNone/>
@@ -2271,13 +2276,17 @@
             </a:lvl9pPr>
           </a:lstStyle>
           <a:p>
-            <a:endParaRPr lang="hu-HU"/>
-          </a:p>
-        </p:txBody>
-      </p:sp>
-      <p:sp>
-        <p:nvSpPr>
-          <p:cNvPr id="4" name="Szöveg helye 3"/>
+            <a:r>
+              <a:rPr lang="hu-HU" smtClean="0"/>
+              <a:t>Kép beszúrásához kattintson az ikonra</a:t>
+            </a:r>
+            <a:endParaRPr lang="en-US" dirty="0"/>
+          </a:p>
+        </p:txBody>
+      </p:sp>
+      <p:sp>
+        <p:nvSpPr>
+          <p:cNvPr id="4" name="Text Placeholder 3"/>
           <p:cNvSpPr>
             <a:spLocks noGrp="1"/>
           </p:cNvSpPr>
@@ -2342,7 +2351,7 @@
       </p:sp>
       <p:sp>
         <p:nvSpPr>
-          <p:cNvPr id="5" name="Dátum helye 4"/>
+          <p:cNvPr id="5" name="Date Placeholder 4"/>
           <p:cNvSpPr>
             <a:spLocks noGrp="1"/>
           </p:cNvSpPr>
@@ -2357,7 +2366,7 @@
           <a:p>
             <a:fld id="{66D59C51-8D6E-49DA-BD0A-2ECEBBB29188}" type="datetimeFigureOut">
               <a:rPr lang="hu-HU" smtClean="0"/>
-              <a:t>2022.09.08.</a:t>
+              <a:t>2022.09.12.</a:t>
             </a:fld>
             <a:endParaRPr lang="hu-HU"/>
           </a:p>
@@ -2365,7 +2374,7 @@
       </p:sp>
       <p:sp>
         <p:nvSpPr>
-          <p:cNvPr id="6" name="Élőláb helye 5"/>
+          <p:cNvPr id="6" name="Footer Placeholder 5"/>
           <p:cNvSpPr>
             <a:spLocks noGrp="1"/>
           </p:cNvSpPr>
@@ -2384,7 +2393,7 @@
       </p:sp>
       <p:sp>
         <p:nvSpPr>
-          <p:cNvPr id="7" name="Dia számának helye 6"/>
+          <p:cNvPr id="7" name="Slide Number Placeholder 6"/>
           <p:cNvSpPr>
             <a:spLocks noGrp="1"/>
           </p:cNvSpPr>
@@ -2408,7 +2417,7 @@
     </p:spTree>
     <p:extLst>
       <p:ext uri="{BB962C8B-B14F-4D97-AF65-F5344CB8AC3E}">
-        <p14:creationId xmlns:p14="http://schemas.microsoft.com/office/powerpoint/2010/main" val="2377346015"/>
+        <p14:creationId xmlns:p14="http://schemas.microsoft.com/office/powerpoint/2010/main" val="636916547"/>
       </p:ext>
     </p:extLst>
   </p:cSld>
@@ -2423,29 +2432,9 @@
   <p:cSld>
     <p:bg>
       <p:bgPr>
-        <a:gradFill flip="none" rotWithShape="1">
-          <a:gsLst>
-            <a:gs pos="0">
-              <a:schemeClr val="accent5">
-                <a:lumMod val="67000"/>
-              </a:schemeClr>
-            </a:gs>
-            <a:gs pos="48000">
-              <a:schemeClr val="accent5">
-                <a:lumMod val="97000"/>
-                <a:lumOff val="3000"/>
-              </a:schemeClr>
-            </a:gs>
-            <a:gs pos="100000">
-              <a:schemeClr val="accent5">
-                <a:lumMod val="60000"/>
-                <a:lumOff val="40000"/>
-              </a:schemeClr>
-            </a:gs>
-          </a:gsLst>
-          <a:lin ang="16200000" scaled="1"/>
-          <a:tileRect/>
-        </a:gradFill>
+        <a:solidFill>
+          <a:schemeClr val="tx2"/>
+        </a:solidFill>
         <a:effectLst/>
       </p:bgPr>
     </p:bg>
@@ -2465,7 +2454,7 @@
       </p:grpSpPr>
       <p:sp>
         <p:nvSpPr>
-          <p:cNvPr id="2" name="Cím helye 1"/>
+          <p:cNvPr id="2" name="Title Placeholder 1"/>
           <p:cNvSpPr>
             <a:spLocks noGrp="1"/>
           </p:cNvSpPr>
@@ -2492,13 +2481,13 @@
               <a:rPr lang="hu-HU" smtClean="0"/>
               <a:t>Mintacím szerkesztése</a:t>
             </a:r>
-            <a:endParaRPr lang="hu-HU"/>
-          </a:p>
-        </p:txBody>
-      </p:sp>
-      <p:sp>
-        <p:nvSpPr>
-          <p:cNvPr id="3" name="Szöveg helye 2"/>
+            <a:endParaRPr lang="en-US" dirty="0"/>
+          </a:p>
+        </p:txBody>
+      </p:sp>
+      <p:sp>
+        <p:nvSpPr>
+          <p:cNvPr id="3" name="Text Placeholder 2"/>
           <p:cNvSpPr>
             <a:spLocks noGrp="1"/>
           </p:cNvSpPr>
@@ -2554,13 +2543,13 @@
               <a:rPr lang="hu-HU" smtClean="0"/>
               <a:t>Ötödik szint</a:t>
             </a:r>
-            <a:endParaRPr lang="hu-HU"/>
-          </a:p>
-        </p:txBody>
-      </p:sp>
-      <p:sp>
-        <p:nvSpPr>
-          <p:cNvPr id="4" name="Dátum helye 3"/>
+            <a:endParaRPr lang="en-US" dirty="0"/>
+          </a:p>
+        </p:txBody>
+      </p:sp>
+      <p:sp>
+        <p:nvSpPr>
+          <p:cNvPr id="4" name="Date Placeholder 3"/>
           <p:cNvSpPr>
             <a:spLocks noGrp="1"/>
           </p:cNvSpPr>
@@ -2593,7 +2582,7 @@
           <a:p>
             <a:fld id="{66D59C51-8D6E-49DA-BD0A-2ECEBBB29188}" type="datetimeFigureOut">
               <a:rPr lang="hu-HU" smtClean="0"/>
-              <a:t>2022.09.08.</a:t>
+              <a:t>2022.09.12.</a:t>
             </a:fld>
             <a:endParaRPr lang="hu-HU"/>
           </a:p>
@@ -2601,7 +2590,7 @@
       </p:sp>
       <p:sp>
         <p:nvSpPr>
-          <p:cNvPr id="5" name="Élőláb helye 4"/>
+          <p:cNvPr id="5" name="Footer Placeholder 4"/>
           <p:cNvSpPr>
             <a:spLocks noGrp="1"/>
           </p:cNvSpPr>
@@ -2638,7 +2627,7 @@
       </p:sp>
       <p:sp>
         <p:nvSpPr>
-          <p:cNvPr id="6" name="Dia számának helye 5"/>
+          <p:cNvPr id="6" name="Slide Number Placeholder 5"/>
           <p:cNvSpPr>
             <a:spLocks noGrp="1"/>
           </p:cNvSpPr>
@@ -2680,23 +2669,23 @@
     </p:spTree>
     <p:extLst>
       <p:ext uri="{BB962C8B-B14F-4D97-AF65-F5344CB8AC3E}">
-        <p14:creationId xmlns:p14="http://schemas.microsoft.com/office/powerpoint/2010/main" val="282874580"/>
+        <p14:creationId xmlns:p14="http://schemas.microsoft.com/office/powerpoint/2010/main" val="3062469855"/>
       </p:ext>
     </p:extLst>
   </p:cSld>
   <p:clrMap bg1="lt1" tx1="dk1" bg2="lt2" tx2="dk2" accent1="accent1" accent2="accent2" accent3="accent3" accent4="accent4" accent5="accent5" accent6="accent6" hlink="hlink" folHlink="folHlink"/>
   <p:sldLayoutIdLst>
-    <p:sldLayoutId id="2147483757" r:id="rId1"/>
-    <p:sldLayoutId id="2147483758" r:id="rId2"/>
-    <p:sldLayoutId id="2147483759" r:id="rId3"/>
-    <p:sldLayoutId id="2147483760" r:id="rId4"/>
-    <p:sldLayoutId id="2147483761" r:id="rId5"/>
-    <p:sldLayoutId id="2147483762" r:id="rId6"/>
-    <p:sldLayoutId id="2147483763" r:id="rId7"/>
-    <p:sldLayoutId id="2147483764" r:id="rId8"/>
-    <p:sldLayoutId id="2147483765" r:id="rId9"/>
-    <p:sldLayoutId id="2147483766" r:id="rId10"/>
-    <p:sldLayoutId id="2147483767" r:id="rId11"/>
+    <p:sldLayoutId id="2147483781" r:id="rId1"/>
+    <p:sldLayoutId id="2147483782" r:id="rId2"/>
+    <p:sldLayoutId id="2147483783" r:id="rId3"/>
+    <p:sldLayoutId id="2147483784" r:id="rId4"/>
+    <p:sldLayoutId id="2147483785" r:id="rId5"/>
+    <p:sldLayoutId id="2147483786" r:id="rId6"/>
+    <p:sldLayoutId id="2147483787" r:id="rId7"/>
+    <p:sldLayoutId id="2147483788" r:id="rId8"/>
+    <p:sldLayoutId id="2147483789" r:id="rId9"/>
+    <p:sldLayoutId id="2147483790" r:id="rId10"/>
+    <p:sldLayoutId id="2147483791" r:id="rId11"/>
   </p:sldLayoutIdLst>
   <p:txStyles>
     <p:titleStyle>
@@ -2884,7 +2873,7 @@
     </p:bodyStyle>
     <p:otherStyle>
       <a:defPPr>
-        <a:defRPr lang="hu-HU"/>
+        <a:defRPr lang="en-US"/>
       </a:defPPr>
       <a:lvl1pPr marL="0" algn="l" defTabSz="914400" rtl="0" eaLnBrk="1" latinLnBrk="0" hangingPunct="1">
         <a:defRPr sz="1800" kern="1200">
@@ -3000,6 +2989,54 @@
       </p:grpSpPr>
       <p:sp>
         <p:nvSpPr>
+          <p:cNvPr id="4" name="Lekerekített téglalap 3"/>
+          <p:cNvSpPr/>
+          <p:nvPr/>
+        </p:nvSpPr>
+        <p:spPr>
+          <a:xfrm>
+            <a:off x="1739900" y="1219200"/>
+            <a:ext cx="8928100" cy="4038600"/>
+          </a:xfrm>
+          <a:prstGeom prst="roundRect">
+            <a:avLst/>
+          </a:prstGeom>
+          <a:solidFill>
+            <a:schemeClr val="bg2">
+              <a:lumMod val="50000"/>
+            </a:schemeClr>
+          </a:solidFill>
+          <a:ln>
+            <a:solidFill>
+              <a:schemeClr val="tx1"/>
+            </a:solidFill>
+          </a:ln>
+        </p:spPr>
+        <p:style>
+          <a:lnRef idx="1">
+            <a:schemeClr val="dk1"/>
+          </a:lnRef>
+          <a:fillRef idx="2">
+            <a:schemeClr val="dk1"/>
+          </a:fillRef>
+          <a:effectRef idx="1">
+            <a:schemeClr val="dk1"/>
+          </a:effectRef>
+          <a:fontRef idx="minor">
+            <a:schemeClr val="dk1"/>
+          </a:fontRef>
+        </p:style>
+        <p:txBody>
+          <a:bodyPr rtlCol="0" anchor="ctr"/>
+          <a:lstStyle/>
+          <a:p>
+            <a:pPr algn="ctr"/>
+            <a:endParaRPr lang="hu-HU"/>
+          </a:p>
+        </p:txBody>
+      </p:sp>
+      <p:sp>
+        <p:nvSpPr>
           <p:cNvPr id="2" name="Cím 1"/>
           <p:cNvSpPr>
             <a:spLocks noGrp="1"/>
@@ -3008,12 +3045,31 @@
             <p:ph type="ctrTitle"/>
           </p:nvPr>
         </p:nvSpPr>
-        <p:spPr/>
-        <p:txBody>
-          <a:bodyPr/>
-          <a:lstStyle/>
-          <a:p>
-            <a:endParaRPr lang="hu-HU"/>
+        <p:spPr>
+          <a:xfrm>
+            <a:off x="1524000" y="1479549"/>
+            <a:ext cx="9144000" cy="2481263"/>
+          </a:xfrm>
+        </p:spPr>
+        <p:txBody>
+          <a:bodyPr>
+            <a:normAutofit/>
+          </a:bodyPr>
+          <a:lstStyle/>
+          <a:p>
+            <a:r>
+              <a:rPr lang="hu-HU" sz="8000" dirty="0" smtClean="0">
+                <a:cs typeface="Helvetica" panose="020B0604020202020204" pitchFamily="34" charset="0"/>
+              </a:rPr>
+              <a:t>Apple </a:t>
+            </a:r>
+            <a:r>
+              <a:rPr lang="hu-HU" sz="8000" dirty="0" err="1" smtClean="0">
+                <a:cs typeface="Helvetica" panose="020B0604020202020204" pitchFamily="34" charset="0"/>
+              </a:rPr>
+              <a:t>event</a:t>
+            </a:r>
+            <a:endParaRPr lang="hu-HU" sz="8000" dirty="0"/>
           </a:p>
         </p:txBody>
       </p:sp>
@@ -3027,15 +3083,55 @@
             <p:ph type="subTitle" idx="1"/>
           </p:nvPr>
         </p:nvSpPr>
-        <p:spPr/>
-        <p:txBody>
-          <a:bodyPr/>
-          <a:lstStyle/>
-          <a:p>
-            <a:endParaRPr lang="hu-HU"/>
-          </a:p>
-        </p:txBody>
-      </p:sp>
+        <p:spPr>
+          <a:xfrm>
+            <a:off x="1524000" y="6675438"/>
+            <a:ext cx="9144000" cy="1655762"/>
+          </a:xfrm>
+        </p:spPr>
+        <p:txBody>
+          <a:bodyPr/>
+          <a:lstStyle/>
+          <a:p>
+            <a:endParaRPr lang="hu-HU" dirty="0"/>
+          </a:p>
+        </p:txBody>
+      </p:sp>
+      <p:cxnSp>
+        <p:nvCxnSpPr>
+          <p:cNvPr id="6" name="Egyenes összekötő 5"/>
+          <p:cNvCxnSpPr/>
+          <p:nvPr/>
+        </p:nvCxnSpPr>
+        <p:spPr>
+          <a:xfrm>
+            <a:off x="2819400" y="3797300"/>
+            <a:ext cx="6578600" cy="12700"/>
+          </a:xfrm>
+          <a:prstGeom prst="line">
+            <a:avLst/>
+          </a:prstGeom>
+          <a:ln>
+            <a:solidFill>
+              <a:schemeClr val="bg1"/>
+            </a:solidFill>
+          </a:ln>
+        </p:spPr>
+        <p:style>
+          <a:lnRef idx="1">
+            <a:schemeClr val="accent1"/>
+          </a:lnRef>
+          <a:fillRef idx="0">
+            <a:schemeClr val="accent1"/>
+          </a:fillRef>
+          <a:effectRef idx="0">
+            <a:schemeClr val="accent1"/>
+          </a:effectRef>
+          <a:fontRef idx="minor">
+            <a:schemeClr val="tx1"/>
+          </a:fontRef>
+        </p:style>
+      </p:cxnSp>
     </p:spTree>
     <p:extLst>
       <p:ext uri="{BB962C8B-B14F-4D97-AF65-F5344CB8AC3E}">
@@ -3046,6 +3142,13 @@
   <p:clrMapOvr>
     <a:masterClrMapping/>
   </p:clrMapOvr>
+  <p:timing>
+    <p:tnLst>
+      <p:par>
+        <p:cTn id="1" dur="indefinite" restart="never" nodeType="tmRoot"/>
+      </p:par>
+    </p:tnLst>
+  </p:timing>
 </p:sld>
 </file>
 
@@ -3303,10 +3406,17 @@
         </p:nvSpPr>
         <p:spPr/>
         <p:txBody>
-          <a:bodyPr/>
-          <a:lstStyle/>
-          <a:p>
-            <a:endParaRPr lang="hu-HU"/>
+          <a:bodyPr>
+            <a:normAutofit/>
+          </a:bodyPr>
+          <a:lstStyle/>
+          <a:p>
+            <a:pPr algn="ctr"/>
+            <a:r>
+              <a:rPr lang="hu-HU" sz="4800" u="sng" spc="300" dirty="0" smtClean="0"/>
+              <a:t>A rendezvény</a:t>
+            </a:r>
+            <a:endParaRPr lang="hu-HU" sz="4800" u="sng" spc="300" dirty="0"/>
           </a:p>
         </p:txBody>
       </p:sp>
@@ -3325,6 +3435,22 @@
           <a:bodyPr/>
           <a:lstStyle/>
           <a:p>
+            <a:r>
+              <a:rPr lang="hu-HU" dirty="0" smtClean="0"/>
+              <a:t>2022.09.07</a:t>
+            </a:r>
+          </a:p>
+          <a:p>
+            <a:r>
+              <a:rPr lang="hu-HU" dirty="0" smtClean="0"/>
+              <a:t>Apple Campus</a:t>
+            </a:r>
+          </a:p>
+          <a:p>
+            <a:r>
+              <a:rPr lang="hu-HU" dirty="0" err="1" smtClean="0"/>
+              <a:t>Stream</a:t>
+            </a:r>
             <a:endParaRPr lang="hu-HU" dirty="0"/>
           </a:p>
         </p:txBody>
@@ -3339,6 +3465,13 @@
   <p:clrMapOvr>
     <a:masterClrMapping/>
   </p:clrMapOvr>
+  <p:timing>
+    <p:tnLst>
+      <p:par>
+        <p:cTn id="1" dur="indefinite" restart="never" nodeType="tmRoot"/>
+      </p:par>
+    </p:tnLst>
+  </p:timing>
 </p:sld>
 </file>
 
@@ -3819,9 +3952,9 @@
 </file>
 
 <file path=ppt/theme/theme1.xml><?xml version="1.0" encoding="utf-8"?>
-<a:theme xmlns:a="http://schemas.openxmlformats.org/drawingml/2006/main" name="Office-téma">
+<a:theme xmlns:a="http://schemas.openxmlformats.org/drawingml/2006/main" name="Office Theme">
   <a:themeElements>
-    <a:clrScheme name="Office">
+    <a:clrScheme name="Kék II">
       <a:dk1>
         <a:sysClr val="windowText" lastClr="000000"/>
       </a:dk1>
@@ -3829,37 +3962,37 @@
         <a:sysClr val="window" lastClr="FFFFFF"/>
       </a:lt1>
       <a:dk2>
-        <a:srgbClr val="44546A"/>
+        <a:srgbClr val="335B74"/>
       </a:dk2>
       <a:lt2>
-        <a:srgbClr val="E7E6E6"/>
+        <a:srgbClr val="DFE3E5"/>
       </a:lt2>
       <a:accent1>
-        <a:srgbClr val="5B9BD5"/>
+        <a:srgbClr val="1CADE4"/>
       </a:accent1>
       <a:accent2>
-        <a:srgbClr val="ED7D31"/>
+        <a:srgbClr val="2683C6"/>
       </a:accent2>
       <a:accent3>
-        <a:srgbClr val="A5A5A5"/>
+        <a:srgbClr val="27CED7"/>
       </a:accent3>
       <a:accent4>
-        <a:srgbClr val="FFC000"/>
+        <a:srgbClr val="42BA97"/>
       </a:accent4>
       <a:accent5>
-        <a:srgbClr val="4472C4"/>
+        <a:srgbClr val="3E8853"/>
       </a:accent5>
       <a:accent6>
-        <a:srgbClr val="70AD47"/>
+        <a:srgbClr val="62A39F"/>
       </a:accent6>
       <a:hlink>
-        <a:srgbClr val="0563C1"/>
+        <a:srgbClr val="6EAC1C"/>
       </a:hlink>
       <a:folHlink>
-        <a:srgbClr val="954F72"/>
+        <a:srgbClr val="B26B02"/>
       </a:folHlink>
     </a:clrScheme>
-    <a:fontScheme name="Office">
+    <a:fontScheme name="Office-téma">
       <a:majorFont>
         <a:latin typeface="Calibri Light" panose="020F0302020204030204"/>
         <a:ea typeface=""/>
@@ -3931,7 +4064,7 @@
         <a:font script="Geor" typeface="Sylfaen"/>
       </a:minorFont>
     </a:fontScheme>
-    <a:fmtScheme name="Office">
+    <a:fmtScheme name="Office-téma">
       <a:fillStyleLst>
         <a:solidFill>
           <a:schemeClr val="phClr"/>
